--- a/modules/PPT/SizeStructure2.pptx
+++ b/modules/PPT/SizeStructure2.pptx
@@ -5304,7 +5304,7 @@
           <a:graphicData uri="http://schemas.openxmlformats.org/presentationml/2006/ole">
             <mc:AlternateContent xmlns:mc="http://schemas.openxmlformats.org/markup-compatibility/2006">
               <mc:Choice xmlns:v="urn:schemas-microsoft-com:vml" Requires="v">
-                <p:oleObj spid="_x0000_s486409" name="Equation" r:id="rId4" imgW="1701720" imgH="393480" progId="Equation.3">
+                <p:oleObj spid="_x0000_s486410" name="Equation" r:id="rId4" imgW="1701720" imgH="393480" progId="Equation.3">
                   <p:embed/>
                 </p:oleObj>
               </mc:Choice>
@@ -12802,7 +12802,7 @@
           <a:graphicData uri="http://schemas.openxmlformats.org/presentationml/2006/ole">
             <mc:AlternateContent xmlns:mc="http://schemas.openxmlformats.org/markup-compatibility/2006">
               <mc:Choice xmlns:v="urn:schemas-microsoft-com:vml" Requires="v">
-                <p:oleObj spid="_x0000_s484382" r:id="rId3" imgW="1574800" imgH="393700" progId="Equation.3">
+                <p:oleObj spid="_x0000_s484383" r:id="rId3" imgW="1574800" imgH="393700" progId="Equation.3">
                   <p:embed/>
                 </p:oleObj>
               </mc:Choice>
